--- a/도서관리.pptx
+++ b/도서관리.pptx
@@ -105,6 +105,11 @@
       </a:defRPr>
     </a:lvl9pPr>
   </p:defaultTextStyle>
+  <p:extLst>
+    <p:ext uri="{EFAFB233-063F-42B5-8137-9DF3F51BA10A}">
+      <p15:sldGuideLst xmlns:p15="http://schemas.microsoft.com/office/powerpoint/2012/main"/>
+    </p:ext>
+  </p:extLst>
 </p:presentation>
 </file>
 
@@ -239,7 +244,7 @@
           <a:p>
             <a:fld id="{A61936FC-592F-47B3-9986-2E5434FE1951}" type="datetimeFigureOut">
               <a:rPr lang="ko-KR" altLang="en-US" smtClean="0"/>
-              <a:t>2025-07-09</a:t>
+              <a:t>2025-07-23</a:t>
             </a:fld>
             <a:endParaRPr lang="ko-KR" altLang="en-US"/>
           </a:p>
@@ -409,7 +414,7 @@
           <a:p>
             <a:fld id="{A61936FC-592F-47B3-9986-2E5434FE1951}" type="datetimeFigureOut">
               <a:rPr lang="ko-KR" altLang="en-US" smtClean="0"/>
-              <a:t>2025-07-09</a:t>
+              <a:t>2025-07-23</a:t>
             </a:fld>
             <a:endParaRPr lang="ko-KR" altLang="en-US"/>
           </a:p>
@@ -589,7 +594,7 @@
           <a:p>
             <a:fld id="{A61936FC-592F-47B3-9986-2E5434FE1951}" type="datetimeFigureOut">
               <a:rPr lang="ko-KR" altLang="en-US" smtClean="0"/>
-              <a:t>2025-07-09</a:t>
+              <a:t>2025-07-23</a:t>
             </a:fld>
             <a:endParaRPr lang="ko-KR" altLang="en-US"/>
           </a:p>
@@ -759,7 +764,7 @@
           <a:p>
             <a:fld id="{A61936FC-592F-47B3-9986-2E5434FE1951}" type="datetimeFigureOut">
               <a:rPr lang="ko-KR" altLang="en-US" smtClean="0"/>
-              <a:t>2025-07-09</a:t>
+              <a:t>2025-07-23</a:t>
             </a:fld>
             <a:endParaRPr lang="ko-KR" altLang="en-US"/>
           </a:p>
@@ -1005,7 +1010,7 @@
           <a:p>
             <a:fld id="{A61936FC-592F-47B3-9986-2E5434FE1951}" type="datetimeFigureOut">
               <a:rPr lang="ko-KR" altLang="en-US" smtClean="0"/>
-              <a:t>2025-07-09</a:t>
+              <a:t>2025-07-23</a:t>
             </a:fld>
             <a:endParaRPr lang="ko-KR" altLang="en-US"/>
           </a:p>
@@ -1237,7 +1242,7 @@
           <a:p>
             <a:fld id="{A61936FC-592F-47B3-9986-2E5434FE1951}" type="datetimeFigureOut">
               <a:rPr lang="ko-KR" altLang="en-US" smtClean="0"/>
-              <a:t>2025-07-09</a:t>
+              <a:t>2025-07-23</a:t>
             </a:fld>
             <a:endParaRPr lang="ko-KR" altLang="en-US"/>
           </a:p>
@@ -1604,7 +1609,7 @@
           <a:p>
             <a:fld id="{A61936FC-592F-47B3-9986-2E5434FE1951}" type="datetimeFigureOut">
               <a:rPr lang="ko-KR" altLang="en-US" smtClean="0"/>
-              <a:t>2025-07-09</a:t>
+              <a:t>2025-07-23</a:t>
             </a:fld>
             <a:endParaRPr lang="ko-KR" altLang="en-US"/>
           </a:p>
@@ -1722,7 +1727,7 @@
           <a:p>
             <a:fld id="{A61936FC-592F-47B3-9986-2E5434FE1951}" type="datetimeFigureOut">
               <a:rPr lang="ko-KR" altLang="en-US" smtClean="0"/>
-              <a:t>2025-07-09</a:t>
+              <a:t>2025-07-23</a:t>
             </a:fld>
             <a:endParaRPr lang="ko-KR" altLang="en-US"/>
           </a:p>
@@ -1817,7 +1822,7 @@
           <a:p>
             <a:fld id="{A61936FC-592F-47B3-9986-2E5434FE1951}" type="datetimeFigureOut">
               <a:rPr lang="ko-KR" altLang="en-US" smtClean="0"/>
-              <a:t>2025-07-09</a:t>
+              <a:t>2025-07-23</a:t>
             </a:fld>
             <a:endParaRPr lang="ko-KR" altLang="en-US"/>
           </a:p>
@@ -2094,7 +2099,7 @@
           <a:p>
             <a:fld id="{A61936FC-592F-47B3-9986-2E5434FE1951}" type="datetimeFigureOut">
               <a:rPr lang="ko-KR" altLang="en-US" smtClean="0"/>
-              <a:t>2025-07-09</a:t>
+              <a:t>2025-07-23</a:t>
             </a:fld>
             <a:endParaRPr lang="ko-KR" altLang="en-US"/>
           </a:p>
@@ -2347,7 +2352,7 @@
           <a:p>
             <a:fld id="{A61936FC-592F-47B3-9986-2E5434FE1951}" type="datetimeFigureOut">
               <a:rPr lang="ko-KR" altLang="en-US" smtClean="0"/>
-              <a:t>2025-07-09</a:t>
+              <a:t>2025-07-23</a:t>
             </a:fld>
             <a:endParaRPr lang="ko-KR" altLang="en-US"/>
           </a:p>
@@ -2560,7 +2565,7 @@
           <a:p>
             <a:fld id="{A61936FC-592F-47B3-9986-2E5434FE1951}" type="datetimeFigureOut">
               <a:rPr lang="ko-KR" altLang="en-US" smtClean="0"/>
-              <a:t>2025-07-09</a:t>
+              <a:t>2025-07-23</a:t>
             </a:fld>
             <a:endParaRPr lang="ko-KR" altLang="en-US"/>
           </a:p>
@@ -2973,8 +2978,8 @@
         </p:nvSpPr>
         <p:spPr>
           <a:xfrm>
-            <a:off x="881149" y="1009996"/>
-            <a:ext cx="1180407" cy="1201190"/>
+            <a:off x="1055429" y="3287681"/>
+            <a:ext cx="1521515" cy="819407"/>
           </a:xfrm>
           <a:prstGeom prst="rect">
             <a:avLst/>
@@ -3000,20 +3005,38 @@
           <a:bodyPr rtlCol="0" anchor="ctr"/>
           <a:lstStyle/>
           <a:p>
-            <a:pPr algn="ctr"/>
-            <a:r>
-              <a:rPr lang="ko-KR" altLang="en-US" dirty="0" smtClean="0"/>
+            <a:r>
+              <a:rPr lang="en-US" altLang="ko-KR" sz="1200" dirty="0" smtClean="0"/>
+              <a:t>0.  </a:t>
+            </a:r>
+            <a:r>
+              <a:rPr lang="ko-KR" altLang="en-US" sz="1200" dirty="0" smtClean="0"/>
+              <a:t>프로그램 종료</a:t>
+            </a:r>
+            <a:endParaRPr lang="en-US" altLang="ko-KR" sz="1200" dirty="0" smtClean="0"/>
+          </a:p>
+          <a:p>
+            <a:pPr marL="228600" indent="-228600">
+              <a:buAutoNum type="arabicPeriod"/>
+            </a:pPr>
+            <a:r>
+              <a:rPr lang="ko-KR" altLang="en-US" sz="1200" dirty="0" smtClean="0"/>
               <a:t>로그인</a:t>
             </a:r>
-            <a:endParaRPr lang="en-US" altLang="ko-KR" dirty="0" smtClean="0"/>
-          </a:p>
-          <a:p>
-            <a:pPr algn="ctr"/>
-            <a:r>
-              <a:rPr lang="ko-KR" altLang="en-US" dirty="0" smtClean="0"/>
+            <a:endParaRPr lang="en-US" altLang="ko-KR" sz="1200" dirty="0" smtClean="0"/>
+          </a:p>
+          <a:p>
+            <a:pPr marL="228600" indent="-228600">
+              <a:buAutoNum type="arabicPeriod"/>
+            </a:pPr>
+            <a:r>
+              <a:rPr lang="ko-KR" altLang="en-US" sz="1200" dirty="0" smtClean="0"/>
               <a:t>회원가입</a:t>
             </a:r>
-            <a:endParaRPr lang="en-US" altLang="ko-KR" dirty="0" smtClean="0"/>
+            <a:r>
+              <a:rPr lang="en-US" altLang="ko-KR" sz="1200" dirty="0" smtClean="0"/>
+              <a:t>  </a:t>
+            </a:r>
           </a:p>
         </p:txBody>
       </p:sp>
@@ -3025,8 +3048,8 @@
         </p:nvSpPr>
         <p:spPr>
           <a:xfrm>
-            <a:off x="3298115" y="1456598"/>
-            <a:ext cx="1388226" cy="1088967"/>
+            <a:off x="3861148" y="4058063"/>
+            <a:ext cx="1340560" cy="590211"/>
           </a:xfrm>
           <a:prstGeom prst="rect">
             <a:avLst/>
@@ -3054,17 +3077,14 @@
           <a:p>
             <a:pPr algn="ctr"/>
             <a:r>
-              <a:rPr lang="en-US" altLang="ko-KR" dirty="0" smtClean="0"/>
-              <a:t>Id :</a:t>
-            </a:r>
-          </a:p>
-          <a:p>
-            <a:pPr algn="ctr"/>
-            <a:r>
-              <a:rPr lang="en-US" altLang="ko-KR" dirty="0" smtClean="0"/>
-              <a:t>Pw :</a:t>
-            </a:r>
-            <a:endParaRPr lang="ko-KR" altLang="en-US" dirty="0"/>
+              <a:rPr lang="en-US" altLang="ko-KR" sz="1200" dirty="0" smtClean="0"/>
+              <a:t>ID, PW </a:t>
+            </a:r>
+            <a:r>
+              <a:rPr lang="ko-KR" altLang="en-US" sz="1200" dirty="0" smtClean="0"/>
+              <a:t>입력</a:t>
+            </a:r>
+            <a:endParaRPr lang="ko-KR" altLang="en-US" sz="1200" dirty="0"/>
           </a:p>
         </p:txBody>
       </p:sp>
@@ -3079,8 +3099,8 @@
         </p:nvCxnSpPr>
         <p:spPr>
           <a:xfrm>
-            <a:off x="2061556" y="1610591"/>
-            <a:ext cx="1236559" cy="390491"/>
+            <a:off x="2576944" y="3697385"/>
+            <a:ext cx="1284204" cy="655784"/>
           </a:xfrm>
           <a:prstGeom prst="straightConnector1">
             <a:avLst/>
@@ -3112,8 +3132,8 @@
         </p:nvSpPr>
         <p:spPr>
           <a:xfrm>
-            <a:off x="3251292" y="2762596"/>
-            <a:ext cx="1579418" cy="911629"/>
+            <a:off x="753366" y="5038722"/>
+            <a:ext cx="2125640" cy="566160"/>
           </a:xfrm>
           <a:prstGeom prst="rect">
             <a:avLst/>
@@ -3141,28 +3161,25 @@
           <a:p>
             <a:pPr algn="ctr"/>
             <a:r>
-              <a:rPr lang="en-US" altLang="ko-KR" dirty="0" smtClean="0"/>
-              <a:t>Id :</a:t>
-            </a:r>
-          </a:p>
-          <a:p>
-            <a:pPr algn="ctr"/>
-            <a:r>
-              <a:rPr lang="en-US" altLang="ko-KR" dirty="0" smtClean="0"/>
-              <a:t>Pw : </a:t>
-            </a:r>
-          </a:p>
-          <a:p>
-            <a:pPr algn="ctr"/>
-            <a:r>
-              <a:rPr lang="ko-KR" altLang="en-US" dirty="0" smtClean="0"/>
-              <a:t>이름 </a:t>
-            </a:r>
-            <a:r>
-              <a:rPr lang="en-US" altLang="ko-KR" dirty="0" smtClean="0"/>
-              <a:t>:</a:t>
-            </a:r>
-            <a:endParaRPr lang="ko-KR" altLang="en-US" dirty="0"/>
+              <a:rPr lang="en-US" altLang="ko-KR" sz="1200" dirty="0" smtClean="0"/>
+              <a:t>ID, PW, </a:t>
+            </a:r>
+            <a:r>
+              <a:rPr lang="ko-KR" altLang="en-US" sz="1200" dirty="0" smtClean="0"/>
+              <a:t>이름</a:t>
+            </a:r>
+            <a:r>
+              <a:rPr lang="en-US" altLang="ko-KR" sz="1200" dirty="0" smtClean="0"/>
+              <a:t>, </a:t>
+            </a:r>
+            <a:r>
+              <a:rPr lang="ko-KR" altLang="en-US" sz="1200" dirty="0" smtClean="0"/>
+              <a:t>생년월일 입력</a:t>
+            </a:r>
+            <a:r>
+              <a:rPr lang="en-US" altLang="ko-KR" sz="1200" dirty="0" smtClean="0"/>
+              <a:t> </a:t>
+            </a:r>
           </a:p>
         </p:txBody>
       </p:sp>
@@ -3170,15 +3187,15 @@
         <p:nvCxnSpPr>
           <p:cNvPr id="13" name="직선 화살표 연결선 12"/>
           <p:cNvCxnSpPr>
-            <a:stCxn id="4" idx="3"/>
-            <a:endCxn id="11" idx="1"/>
+            <a:stCxn id="4" idx="2"/>
+            <a:endCxn id="11" idx="0"/>
           </p:cNvCxnSpPr>
           <p:nvPr/>
         </p:nvCxnSpPr>
         <p:spPr>
-          <a:xfrm>
-            <a:off x="2061556" y="1610591"/>
-            <a:ext cx="1189736" cy="1607820"/>
+          <a:xfrm flipH="1">
+            <a:off x="1816186" y="4107088"/>
+            <a:ext cx="1" cy="931634"/>
           </a:xfrm>
           <a:prstGeom prst="straightConnector1">
             <a:avLst/>
@@ -3210,8 +3227,8 @@
         </p:nvSpPr>
         <p:spPr>
           <a:xfrm>
-            <a:off x="2374129" y="1621878"/>
-            <a:ext cx="877163" cy="369332"/>
+            <a:off x="2684683" y="3997267"/>
+            <a:ext cx="819455" cy="276999"/>
           </a:xfrm>
           <a:prstGeom prst="rect">
             <a:avLst/>
@@ -3225,10 +3242,14 @@
           <a:lstStyle/>
           <a:p>
             <a:r>
-              <a:rPr lang="ko-KR" altLang="en-US" dirty="0" smtClean="0"/>
+              <a:rPr lang="en-US" altLang="ko-KR" sz="1200" dirty="0" smtClean="0"/>
+              <a:t>1. </a:t>
+            </a:r>
+            <a:r>
+              <a:rPr lang="ko-KR" altLang="en-US" sz="1200" dirty="0" smtClean="0"/>
               <a:t>로그인</a:t>
             </a:r>
-            <a:endParaRPr lang="ko-KR" altLang="en-US" dirty="0"/>
+            <a:endParaRPr lang="ko-KR" altLang="en-US" sz="1200" dirty="0"/>
           </a:p>
         </p:txBody>
       </p:sp>
@@ -3240,8 +3261,8 @@
         </p:nvSpPr>
         <p:spPr>
           <a:xfrm>
-            <a:off x="2034214" y="2210985"/>
-            <a:ext cx="1107996" cy="369332"/>
+            <a:off x="1805934" y="4501108"/>
+            <a:ext cx="918841" cy="276999"/>
           </a:xfrm>
           <a:prstGeom prst="rect">
             <a:avLst/>
@@ -3255,10 +3276,14 @@
           <a:lstStyle/>
           <a:p>
             <a:r>
-              <a:rPr lang="ko-KR" altLang="en-US" dirty="0" smtClean="0"/>
+              <a:rPr lang="en-US" altLang="ko-KR" sz="1200" dirty="0" smtClean="0"/>
+              <a:t>2.</a:t>
+            </a:r>
+            <a:r>
+              <a:rPr lang="ko-KR" altLang="en-US" sz="1200" dirty="0" smtClean="0"/>
               <a:t>회원가입</a:t>
             </a:r>
-            <a:endParaRPr lang="ko-KR" altLang="en-US" dirty="0"/>
+            <a:endParaRPr lang="ko-KR" altLang="en-US" sz="1200" dirty="0"/>
           </a:p>
         </p:txBody>
       </p:sp>
@@ -3273,8 +3298,8 @@
         </p:nvCxnSpPr>
         <p:spPr>
           <a:xfrm flipH="1" flipV="1">
-            <a:off x="2061556" y="1610591"/>
-            <a:ext cx="1236559" cy="390491"/>
+            <a:off x="2576944" y="3697385"/>
+            <a:ext cx="1284204" cy="655784"/>
           </a:xfrm>
           <a:prstGeom prst="straightConnector1">
             <a:avLst/>
@@ -3302,15 +3327,15 @@
         <p:nvCxnSpPr>
           <p:cNvPr id="28" name="직선 화살표 연결선 27"/>
           <p:cNvCxnSpPr>
-            <a:stCxn id="11" idx="1"/>
-            <a:endCxn id="4" idx="3"/>
+            <a:stCxn id="11" idx="0"/>
+            <a:endCxn id="4" idx="2"/>
           </p:cNvCxnSpPr>
           <p:nvPr/>
         </p:nvCxnSpPr>
         <p:spPr>
-          <a:xfrm flipH="1" flipV="1">
-            <a:off x="2061556" y="1610591"/>
-            <a:ext cx="1189736" cy="1607820"/>
+          <a:xfrm flipV="1">
+            <a:off x="1816186" y="4107088"/>
+            <a:ext cx="1" cy="931634"/>
           </a:xfrm>
           <a:prstGeom prst="straightConnector1">
             <a:avLst/>
@@ -3339,13 +3364,14 @@
           <p:cNvPr id="30" name="직선 화살표 연결선 29"/>
           <p:cNvCxnSpPr>
             <a:stCxn id="5" idx="3"/>
+            <a:endCxn id="31" idx="1"/>
           </p:cNvCxnSpPr>
           <p:nvPr/>
         </p:nvCxnSpPr>
         <p:spPr>
-          <a:xfrm>
-            <a:off x="4686341" y="2001082"/>
-            <a:ext cx="1475622" cy="210104"/>
+          <a:xfrm flipV="1">
+            <a:off x="5201708" y="3755208"/>
+            <a:ext cx="1530330" cy="597961"/>
           </a:xfrm>
           <a:prstGeom prst="straightConnector1">
             <a:avLst/>
@@ -3377,8 +3403,8 @@
         </p:nvSpPr>
         <p:spPr>
           <a:xfrm>
-            <a:off x="6180514" y="573578"/>
-            <a:ext cx="2086494" cy="1745673"/>
+            <a:off x="6732038" y="3236149"/>
+            <a:ext cx="2086494" cy="1038117"/>
           </a:xfrm>
           <a:prstGeom prst="rect">
             <a:avLst/>
@@ -3404,32 +3430,81 @@
           <a:bodyPr rtlCol="0" anchor="ctr"/>
           <a:lstStyle/>
           <a:p>
-            <a:pPr algn="ctr"/>
-            <a:r>
-              <a:rPr lang="ko-KR" altLang="en-US" dirty="0" err="1" smtClean="0"/>
-              <a:t>내도서조회</a:t>
-            </a:r>
-            <a:endParaRPr lang="en-US" altLang="ko-KR" dirty="0" smtClean="0"/>
-          </a:p>
-          <a:p>
-            <a:pPr algn="ctr"/>
-            <a:r>
-              <a:rPr lang="ko-KR" altLang="en-US" dirty="0" smtClean="0"/>
-              <a:t>도서관 책 조회 </a:t>
-            </a:r>
-            <a:endParaRPr lang="en-US" altLang="ko-KR" dirty="0" smtClean="0"/>
-          </a:p>
-          <a:p>
-            <a:pPr algn="ctr"/>
-            <a:r>
-              <a:rPr lang="ko-KR" altLang="en-US" dirty="0" smtClean="0"/>
+            <a:endParaRPr lang="en-US" altLang="ko-KR" sz="1200" dirty="0" smtClean="0"/>
+          </a:p>
+          <a:p>
+            <a:r>
+              <a:rPr lang="en-US" altLang="ko-KR" sz="1200" dirty="0" smtClean="0"/>
+              <a:t>0.  </a:t>
+            </a:r>
+            <a:r>
+              <a:rPr lang="ko-KR" altLang="en-US" sz="1200" dirty="0" smtClean="0"/>
               <a:t>로그아웃</a:t>
             </a:r>
-            <a:endParaRPr lang="en-US" altLang="ko-KR" dirty="0" smtClean="0"/>
-          </a:p>
-          <a:p>
-            <a:pPr algn="ctr"/>
-            <a:endParaRPr lang="ko-KR" altLang="en-US" dirty="0"/>
+            <a:endParaRPr lang="en-US" altLang="ko-KR" sz="1200" dirty="0" smtClean="0"/>
+          </a:p>
+          <a:p>
+            <a:pPr marL="228600" indent="-228600">
+              <a:buAutoNum type="arabicPeriod"/>
+            </a:pPr>
+            <a:r>
+              <a:rPr lang="ko-KR" altLang="en-US" sz="1200" dirty="0" smtClean="0"/>
+              <a:t>나의 </a:t>
+            </a:r>
+            <a:r>
+              <a:rPr lang="ko-KR" altLang="en-US" sz="1200" dirty="0"/>
+              <a:t>도서 </a:t>
+            </a:r>
+            <a:r>
+              <a:rPr lang="ko-KR" altLang="en-US" sz="1200" dirty="0" smtClean="0"/>
+              <a:t>정보</a:t>
+            </a:r>
+            <a:endParaRPr lang="en-US" altLang="ko-KR" sz="1200" dirty="0" smtClean="0"/>
+          </a:p>
+          <a:p>
+            <a:pPr marL="228600" indent="-228600">
+              <a:buAutoNum type="arabicPeriod"/>
+            </a:pPr>
+            <a:r>
+              <a:rPr lang="ko-KR" altLang="en-US" sz="1200" dirty="0" smtClean="0"/>
+              <a:t>도서관 </a:t>
+            </a:r>
+            <a:r>
+              <a:rPr lang="ko-KR" altLang="en-US" sz="1200" dirty="0"/>
+              <a:t>책 </a:t>
+            </a:r>
+            <a:r>
+              <a:rPr lang="ko-KR" altLang="en-US" sz="1200" dirty="0" smtClean="0"/>
+              <a:t>목록</a:t>
+            </a:r>
+            <a:endParaRPr lang="en-US" altLang="ko-KR" sz="1200" dirty="0"/>
+          </a:p>
+          <a:p>
+            <a:pPr marL="228600" indent="-228600">
+              <a:buAutoNum type="arabicPeriod"/>
+            </a:pPr>
+            <a:r>
+              <a:rPr lang="ko-KR" altLang="en-US" sz="1200" dirty="0" smtClean="0"/>
+              <a:t>회원정보 조회</a:t>
+            </a:r>
+            <a:endParaRPr lang="en-US" altLang="ko-KR" sz="1200" dirty="0" smtClean="0"/>
+          </a:p>
+          <a:p>
+            <a:pPr marL="228600" indent="-228600">
+              <a:buAutoNum type="arabicPeriod"/>
+            </a:pPr>
+            <a:r>
+              <a:rPr lang="ko-KR" altLang="en-US" sz="1200" dirty="0" smtClean="0"/>
+              <a:t>회원 </a:t>
+            </a:r>
+            <a:r>
+              <a:rPr lang="ko-KR" altLang="en-US" sz="1200" dirty="0"/>
+              <a:t>탈퇴</a:t>
+            </a:r>
+            <a:endParaRPr lang="en-US" altLang="ko-KR" sz="1200" dirty="0" smtClean="0"/>
+          </a:p>
+          <a:p>
+            <a:endParaRPr lang="ko-KR" altLang="en-US" sz="1200" dirty="0"/>
           </a:p>
         </p:txBody>
       </p:sp>
@@ -3438,13 +3513,14 @@
           <p:cNvPr id="36" name="직선 화살표 연결선 35"/>
           <p:cNvCxnSpPr>
             <a:stCxn id="31" idx="1"/>
+            <a:endCxn id="4" idx="3"/>
           </p:cNvCxnSpPr>
           <p:nvPr/>
         </p:nvCxnSpPr>
         <p:spPr>
           <a:xfrm flipH="1" flipV="1">
-            <a:off x="2026311" y="1173972"/>
-            <a:ext cx="4154203" cy="272443"/>
+            <a:off x="2576944" y="3697385"/>
+            <a:ext cx="4155094" cy="57823"/>
           </a:xfrm>
           <a:prstGeom prst="straightConnector1">
             <a:avLst/>
@@ -3476,8 +3552,8 @@
         </p:nvSpPr>
         <p:spPr>
           <a:xfrm>
-            <a:off x="4580366" y="1009796"/>
-            <a:ext cx="1107996" cy="369332"/>
+            <a:off x="4016578" y="3449297"/>
+            <a:ext cx="973343" cy="276999"/>
           </a:xfrm>
           <a:prstGeom prst="rect">
             <a:avLst/>
@@ -3491,10 +3567,14 @@
           <a:lstStyle/>
           <a:p>
             <a:r>
-              <a:rPr lang="ko-KR" altLang="en-US" dirty="0" smtClean="0"/>
+              <a:rPr lang="en-US" altLang="ko-KR" sz="1200" dirty="0" smtClean="0"/>
+              <a:t>0. </a:t>
+            </a:r>
+            <a:r>
+              <a:rPr lang="ko-KR" altLang="en-US" sz="1200" dirty="0" smtClean="0"/>
               <a:t>로그아웃</a:t>
             </a:r>
-            <a:endParaRPr lang="ko-KR" altLang="en-US" dirty="0"/>
+            <a:endParaRPr lang="ko-KR" altLang="en-US" sz="1200" dirty="0"/>
           </a:p>
         </p:txBody>
       </p:sp>
@@ -3506,8 +3586,8 @@
         </p:nvSpPr>
         <p:spPr>
           <a:xfrm>
-            <a:off x="4719839" y="1829403"/>
-            <a:ext cx="1420582" cy="369332"/>
+            <a:off x="5527746" y="4133993"/>
+            <a:ext cx="1008609" cy="276999"/>
           </a:xfrm>
           <a:prstGeom prst="rect">
             <a:avLst/>
@@ -3521,10 +3601,10 @@
           <a:lstStyle/>
           <a:p>
             <a:r>
-              <a:rPr lang="ko-KR" altLang="en-US" dirty="0" smtClean="0"/>
+              <a:rPr lang="ko-KR" altLang="en-US" sz="1200" dirty="0" smtClean="0"/>
               <a:t>로그인 성공</a:t>
             </a:r>
-            <a:endParaRPr lang="ko-KR" altLang="en-US" dirty="0"/>
+            <a:endParaRPr lang="ko-KR" altLang="en-US" sz="1200" dirty="0"/>
           </a:p>
         </p:txBody>
       </p:sp>
@@ -3536,8 +3616,8 @@
         </p:nvSpPr>
         <p:spPr>
           <a:xfrm>
-            <a:off x="4880937" y="3601198"/>
-            <a:ext cx="2144684" cy="914400"/>
+            <a:off x="6944627" y="5415740"/>
+            <a:ext cx="1677942" cy="457200"/>
           </a:xfrm>
           <a:prstGeom prst="rect">
             <a:avLst/>
@@ -3565,23 +3645,399 @@
           <a:p>
             <a:pPr algn="ctr"/>
             <a:r>
-              <a:rPr lang="ko-KR" altLang="en-US" smtClean="0"/>
-              <a:t>도서목록 출력</a:t>
-            </a:r>
-            <a:endParaRPr lang="ko-KR" altLang="en-US"/>
+              <a:rPr lang="ko-KR" altLang="en-US" sz="1200" dirty="0" smtClean="0"/>
+              <a:t>나의 도서 정보 출력</a:t>
+            </a:r>
+            <a:endParaRPr lang="ko-KR" altLang="en-US" sz="1200" dirty="0"/>
           </a:p>
         </p:txBody>
       </p:sp>
       <p:cxnSp>
         <p:nvCxnSpPr>
           <p:cNvPr id="47" name="직선 화살표 연결선 46"/>
-          <p:cNvCxnSpPr/>
+          <p:cNvCxnSpPr>
+            <a:stCxn id="31" idx="2"/>
+            <a:endCxn id="45" idx="0"/>
+          </p:cNvCxnSpPr>
           <p:nvPr/>
         </p:nvCxnSpPr>
         <p:spPr>
+          <a:xfrm>
+            <a:off x="7775285" y="4274266"/>
+            <a:ext cx="8313" cy="1141474"/>
+          </a:xfrm>
+          <a:prstGeom prst="straightConnector1">
+            <a:avLst/>
+          </a:prstGeom>
+          <a:ln>
+            <a:tailEnd type="triangle"/>
+          </a:ln>
+        </p:spPr>
+        <p:style>
+          <a:lnRef idx="1">
+            <a:schemeClr val="accent1"/>
+          </a:lnRef>
+          <a:fillRef idx="0">
+            <a:schemeClr val="accent1"/>
+          </a:fillRef>
+          <a:effectRef idx="0">
+            <a:schemeClr val="accent1"/>
+          </a:effectRef>
+          <a:fontRef idx="minor">
+            <a:schemeClr val="tx1"/>
+          </a:fontRef>
+        </p:style>
+      </p:cxnSp>
+      <p:sp>
+        <p:nvSpPr>
+          <p:cNvPr id="53" name="직사각형 52"/>
+          <p:cNvSpPr/>
+          <p:nvPr/>
+        </p:nvSpPr>
+        <p:spPr>
+          <a:xfrm>
+            <a:off x="10102736" y="3535890"/>
+            <a:ext cx="1498600" cy="455259"/>
+          </a:xfrm>
+          <a:prstGeom prst="rect">
+            <a:avLst/>
+          </a:prstGeom>
+        </p:spPr>
+        <p:style>
+          <a:lnRef idx="2">
+            <a:schemeClr val="accent1">
+              <a:shade val="50000"/>
+            </a:schemeClr>
+          </a:lnRef>
+          <a:fillRef idx="1">
+            <a:schemeClr val="accent1"/>
+          </a:fillRef>
+          <a:effectRef idx="0">
+            <a:schemeClr val="accent1"/>
+          </a:effectRef>
+          <a:fontRef idx="minor">
+            <a:schemeClr val="lt1"/>
+          </a:fontRef>
+        </p:style>
+        <p:txBody>
+          <a:bodyPr rtlCol="0" anchor="ctr"/>
+          <a:lstStyle/>
+          <a:p>
+            <a:pPr algn="ctr"/>
+            <a:r>
+              <a:rPr lang="ko-KR" altLang="en-US" sz="1200" dirty="0" smtClean="0"/>
+              <a:t>도서관 책 출력</a:t>
+            </a:r>
+            <a:endParaRPr lang="ko-KR" altLang="en-US" sz="1200" dirty="0"/>
+          </a:p>
+        </p:txBody>
+      </p:sp>
+      <p:cxnSp>
+        <p:nvCxnSpPr>
+          <p:cNvPr id="54" name="직선 화살표 연결선 53"/>
+          <p:cNvCxnSpPr>
+            <a:stCxn id="31" idx="3"/>
+            <a:endCxn id="53" idx="1"/>
+          </p:cNvCxnSpPr>
+          <p:nvPr/>
+        </p:nvCxnSpPr>
+        <p:spPr>
+          <a:xfrm>
+            <a:off x="8818532" y="3755208"/>
+            <a:ext cx="1284204" cy="8312"/>
+          </a:xfrm>
+          <a:prstGeom prst="straightConnector1">
+            <a:avLst/>
+          </a:prstGeom>
+          <a:ln>
+            <a:tailEnd type="triangle"/>
+          </a:ln>
+        </p:spPr>
+        <p:style>
+          <a:lnRef idx="1">
+            <a:schemeClr val="accent1"/>
+          </a:lnRef>
+          <a:fillRef idx="0">
+            <a:schemeClr val="accent1"/>
+          </a:fillRef>
+          <a:effectRef idx="0">
+            <a:schemeClr val="accent1"/>
+          </a:effectRef>
+          <a:fontRef idx="minor">
+            <a:schemeClr val="tx1"/>
+          </a:fontRef>
+        </p:style>
+      </p:cxnSp>
+      <p:sp>
+        <p:nvSpPr>
+          <p:cNvPr id="59" name="TextBox 58"/>
+          <p:cNvSpPr txBox="1"/>
+          <p:nvPr/>
+        </p:nvSpPr>
+        <p:spPr>
+          <a:xfrm>
+            <a:off x="8752990" y="3518575"/>
+            <a:ext cx="1390124" cy="276999"/>
+          </a:xfrm>
+          <a:prstGeom prst="rect">
+            <a:avLst/>
+          </a:prstGeom>
+          <a:noFill/>
+        </p:spPr>
+        <p:txBody>
+          <a:bodyPr wrap="none" rtlCol="0">
+            <a:spAutoFit/>
+          </a:bodyPr>
+          <a:lstStyle/>
+          <a:p>
+            <a:r>
+              <a:rPr lang="en-US" altLang="ko-KR" sz="1200" smtClean="0"/>
+              <a:t>2. </a:t>
+            </a:r>
+            <a:r>
+              <a:rPr lang="ko-KR" altLang="en-US" sz="1200" dirty="0" smtClean="0"/>
+              <a:t>도서관 책 목록</a:t>
+            </a:r>
+            <a:endParaRPr lang="ko-KR" altLang="en-US" sz="1200" dirty="0"/>
+          </a:p>
+        </p:txBody>
+      </p:sp>
+      <p:sp>
+        <p:nvSpPr>
+          <p:cNvPr id="60" name="직사각형 59"/>
+          <p:cNvSpPr/>
+          <p:nvPr/>
+        </p:nvSpPr>
+        <p:spPr>
+          <a:xfrm>
+            <a:off x="9913930" y="4639607"/>
+            <a:ext cx="1876211" cy="506782"/>
+          </a:xfrm>
+          <a:prstGeom prst="rect">
+            <a:avLst/>
+          </a:prstGeom>
+        </p:spPr>
+        <p:style>
+          <a:lnRef idx="2">
+            <a:schemeClr val="accent1">
+              <a:shade val="50000"/>
+            </a:schemeClr>
+          </a:lnRef>
+          <a:fillRef idx="1">
+            <a:schemeClr val="accent1"/>
+          </a:fillRef>
+          <a:effectRef idx="0">
+            <a:schemeClr val="accent1"/>
+          </a:effectRef>
+          <a:fontRef idx="minor">
+            <a:schemeClr val="lt1"/>
+          </a:fontRef>
+        </p:style>
+        <p:txBody>
+          <a:bodyPr rtlCol="0" anchor="ctr"/>
+          <a:lstStyle/>
+          <a:p>
+            <a:pPr algn="ctr"/>
+            <a:r>
+              <a:rPr lang="ko-KR" altLang="en-US" sz="1200" dirty="0" smtClean="0"/>
+              <a:t>대여할 </a:t>
+            </a:r>
+            <a:r>
+              <a:rPr lang="ko-KR" altLang="en-US" sz="1200" dirty="0"/>
+              <a:t>책 번호 입력</a:t>
+            </a:r>
+          </a:p>
+        </p:txBody>
+      </p:sp>
+      <p:cxnSp>
+        <p:nvCxnSpPr>
+          <p:cNvPr id="64" name="직선 화살표 연결선 63"/>
+          <p:cNvCxnSpPr>
+            <a:stCxn id="53" idx="2"/>
+            <a:endCxn id="60" idx="0"/>
+          </p:cNvCxnSpPr>
+          <p:nvPr/>
+        </p:nvCxnSpPr>
+        <p:spPr>
+          <a:xfrm>
+            <a:off x="10852036" y="3991149"/>
+            <a:ext cx="0" cy="648458"/>
+          </a:xfrm>
+          <a:prstGeom prst="straightConnector1">
+            <a:avLst/>
+          </a:prstGeom>
+          <a:ln>
+            <a:tailEnd type="triangle"/>
+          </a:ln>
+        </p:spPr>
+        <p:style>
+          <a:lnRef idx="1">
+            <a:schemeClr val="accent1"/>
+          </a:lnRef>
+          <a:fillRef idx="0">
+            <a:schemeClr val="accent1"/>
+          </a:fillRef>
+          <a:effectRef idx="0">
+            <a:schemeClr val="accent1"/>
+          </a:effectRef>
+          <a:fontRef idx="minor">
+            <a:schemeClr val="tx1"/>
+          </a:fontRef>
+        </p:style>
+      </p:cxnSp>
+      <p:sp>
+        <p:nvSpPr>
+          <p:cNvPr id="68" name="TextBox 67"/>
+          <p:cNvSpPr txBox="1"/>
+          <p:nvPr/>
+        </p:nvSpPr>
+        <p:spPr>
+          <a:xfrm>
+            <a:off x="9034676" y="4362608"/>
+            <a:ext cx="492443" cy="276999"/>
+          </a:xfrm>
+          <a:prstGeom prst="rect">
+            <a:avLst/>
+          </a:prstGeom>
+          <a:noFill/>
+        </p:spPr>
+        <p:txBody>
+          <a:bodyPr wrap="none" rtlCol="0">
+            <a:spAutoFit/>
+          </a:bodyPr>
+          <a:lstStyle/>
+          <a:p>
+            <a:r>
+              <a:rPr lang="ko-KR" altLang="en-US" sz="1200" dirty="0" smtClean="0"/>
+              <a:t>대여</a:t>
+            </a:r>
+            <a:endParaRPr lang="ko-KR" altLang="en-US" sz="1200" dirty="0"/>
+          </a:p>
+        </p:txBody>
+      </p:sp>
+      <p:sp>
+        <p:nvSpPr>
+          <p:cNvPr id="78" name="직사각형 77"/>
+          <p:cNvSpPr/>
+          <p:nvPr/>
+        </p:nvSpPr>
+        <p:spPr>
+          <a:xfrm>
+            <a:off x="4658338" y="5417426"/>
+            <a:ext cx="1660686" cy="457200"/>
+          </a:xfrm>
+          <a:prstGeom prst="rect">
+            <a:avLst/>
+          </a:prstGeom>
+        </p:spPr>
+        <p:style>
+          <a:lnRef idx="2">
+            <a:schemeClr val="accent1">
+              <a:shade val="50000"/>
+            </a:schemeClr>
+          </a:lnRef>
+          <a:fillRef idx="1">
+            <a:schemeClr val="accent1"/>
+          </a:fillRef>
+          <a:effectRef idx="0">
+            <a:schemeClr val="accent1"/>
+          </a:effectRef>
+          <a:fontRef idx="minor">
+            <a:schemeClr val="lt1"/>
+          </a:fontRef>
+        </p:style>
+        <p:txBody>
+          <a:bodyPr rtlCol="0" anchor="ctr"/>
+          <a:lstStyle/>
+          <a:p>
+            <a:pPr algn="ctr"/>
+            <a:r>
+              <a:rPr lang="ko-KR" altLang="en-US" sz="1200" dirty="0" smtClean="0"/>
+              <a:t>반납할 책 번호 입력</a:t>
+            </a:r>
+            <a:endParaRPr lang="ko-KR" altLang="en-US" sz="1200" dirty="0"/>
+          </a:p>
+        </p:txBody>
+      </p:sp>
+      <p:cxnSp>
+        <p:nvCxnSpPr>
+          <p:cNvPr id="79" name="직선 화살표 연결선 78"/>
+          <p:cNvCxnSpPr>
+            <a:stCxn id="45" idx="1"/>
+            <a:endCxn id="78" idx="3"/>
+          </p:cNvCxnSpPr>
+          <p:nvPr/>
+        </p:nvCxnSpPr>
+        <p:spPr>
           <a:xfrm flipH="1">
-            <a:off x="6392487" y="2295435"/>
-            <a:ext cx="656568" cy="1245787"/>
+            <a:off x="6319024" y="5644340"/>
+            <a:ext cx="625603" cy="1686"/>
+          </a:xfrm>
+          <a:prstGeom prst="straightConnector1">
+            <a:avLst/>
+          </a:prstGeom>
+          <a:ln>
+            <a:tailEnd type="triangle"/>
+          </a:ln>
+        </p:spPr>
+        <p:style>
+          <a:lnRef idx="1">
+            <a:schemeClr val="accent1"/>
+          </a:lnRef>
+          <a:fillRef idx="0">
+            <a:schemeClr val="accent1"/>
+          </a:fillRef>
+          <a:effectRef idx="0">
+            <a:schemeClr val="accent1"/>
+          </a:effectRef>
+          <a:fontRef idx="minor">
+            <a:schemeClr val="tx1"/>
+          </a:fontRef>
+        </p:style>
+      </p:cxnSp>
+      <p:sp>
+        <p:nvSpPr>
+          <p:cNvPr id="82" name="TextBox 81"/>
+          <p:cNvSpPr txBox="1"/>
+          <p:nvPr/>
+        </p:nvSpPr>
+        <p:spPr>
+          <a:xfrm>
+            <a:off x="6072802" y="4698033"/>
+            <a:ext cx="492443" cy="276999"/>
+          </a:xfrm>
+          <a:prstGeom prst="rect">
+            <a:avLst/>
+          </a:prstGeom>
+          <a:noFill/>
+        </p:spPr>
+        <p:txBody>
+          <a:bodyPr wrap="none" rtlCol="0">
+            <a:spAutoFit/>
+          </a:bodyPr>
+          <a:lstStyle/>
+          <a:p>
+            <a:r>
+              <a:rPr lang="ko-KR" altLang="en-US" sz="1200" dirty="0" smtClean="0"/>
+              <a:t>반납</a:t>
+            </a:r>
+            <a:endParaRPr lang="ko-KR" altLang="en-US" sz="1200" dirty="0"/>
+          </a:p>
+        </p:txBody>
+      </p:sp>
+      <p:cxnSp>
+        <p:nvCxnSpPr>
+          <p:cNvPr id="83" name="직선 화살표 연결선 82"/>
+          <p:cNvCxnSpPr>
+            <a:stCxn id="78" idx="0"/>
+            <a:endCxn id="31" idx="2"/>
+          </p:cNvCxnSpPr>
+          <p:nvPr/>
+        </p:nvCxnSpPr>
+        <p:spPr>
+          <a:xfrm flipV="1">
+            <a:off x="5488681" y="4274266"/>
+            <a:ext cx="2286604" cy="1143160"/>
           </a:xfrm>
           <a:prstGeom prst="straightConnector1">
             <a:avLst/>
@@ -3607,16 +4063,17 @@
       </p:cxnSp>
       <p:cxnSp>
         <p:nvCxnSpPr>
-          <p:cNvPr id="51" name="직선 화살표 연결선 50"/>
+          <p:cNvPr id="103" name="직선 화살표 연결선 102"/>
           <p:cNvCxnSpPr>
-            <a:stCxn id="45" idx="0"/>
+            <a:stCxn id="60" idx="1"/>
+            <a:endCxn id="31" idx="3"/>
           </p:cNvCxnSpPr>
           <p:nvPr/>
         </p:nvCxnSpPr>
         <p:spPr>
-          <a:xfrm flipV="1">
-            <a:off x="5953279" y="2295435"/>
-            <a:ext cx="694790" cy="1305763"/>
+          <a:xfrm flipH="1" flipV="1">
+            <a:off x="8818532" y="3755208"/>
+            <a:ext cx="1095398" cy="1137790"/>
           </a:xfrm>
           <a:prstGeom prst="straightConnector1">
             <a:avLst/>
@@ -3642,14 +4099,14 @@
       </p:cxnSp>
       <p:sp>
         <p:nvSpPr>
-          <p:cNvPr id="52" name="TextBox 51"/>
+          <p:cNvPr id="109" name="TextBox 108"/>
           <p:cNvSpPr txBox="1"/>
           <p:nvPr/>
         </p:nvSpPr>
         <p:spPr>
           <a:xfrm>
-            <a:off x="5448479" y="2807356"/>
-            <a:ext cx="1189749" cy="369332"/>
+            <a:off x="7775285" y="4756929"/>
+            <a:ext cx="1390124" cy="276999"/>
           </a:xfrm>
           <a:prstGeom prst="rect">
             <a:avLst/>
@@ -3663,23 +4120,27 @@
           <a:lstStyle/>
           <a:p>
             <a:r>
-              <a:rPr lang="ko-KR" altLang="en-US" dirty="0" smtClean="0"/>
-              <a:t>도서 조회</a:t>
-            </a:r>
-            <a:endParaRPr lang="ko-KR" altLang="en-US" dirty="0"/>
-          </a:p>
-        </p:txBody>
-      </p:sp>
-      <p:sp>
-        <p:nvSpPr>
-          <p:cNvPr id="53" name="직사각형 52"/>
+              <a:rPr lang="en-US" altLang="ko-KR" sz="1200" dirty="0" smtClean="0"/>
+              <a:t>1. </a:t>
+            </a:r>
+            <a:r>
+              <a:rPr lang="ko-KR" altLang="en-US" sz="1200" dirty="0" smtClean="0"/>
+              <a:t>나의 도서 정보</a:t>
+            </a:r>
+            <a:endParaRPr lang="ko-KR" altLang="en-US" sz="1200" dirty="0"/>
+          </a:p>
+        </p:txBody>
+      </p:sp>
+      <p:sp>
+        <p:nvSpPr>
+          <p:cNvPr id="110" name="직사각형 109"/>
           <p:cNvSpPr/>
           <p:nvPr/>
         </p:nvSpPr>
         <p:spPr>
           <a:xfrm>
-            <a:off x="9196646" y="2452255"/>
-            <a:ext cx="2144684" cy="914400"/>
+            <a:off x="7034298" y="1734289"/>
+            <a:ext cx="1498600" cy="455259"/>
           </a:xfrm>
           <a:prstGeom prst="rect">
             <a:avLst/>
@@ -3707,23 +4168,164 @@
           <a:p>
             <a:pPr algn="ctr"/>
             <a:r>
-              <a:rPr lang="ko-KR" altLang="en-US" dirty="0" smtClean="0"/>
-              <a:t>도서관 책 출력</a:t>
-            </a:r>
-            <a:endParaRPr lang="ko-KR" altLang="en-US" dirty="0"/>
+              <a:rPr lang="ko-KR" altLang="en-US" sz="1200" dirty="0" smtClean="0"/>
+              <a:t>회원정보 조회</a:t>
+            </a:r>
+            <a:endParaRPr lang="ko-KR" altLang="en-US" sz="1200" dirty="0"/>
           </a:p>
         </p:txBody>
       </p:sp>
       <p:cxnSp>
         <p:nvCxnSpPr>
-          <p:cNvPr id="54" name="직선 화살표 연결선 53"/>
-          <p:cNvCxnSpPr/>
+          <p:cNvPr id="111" name="직선 화살표 연결선 110"/>
+          <p:cNvCxnSpPr>
+            <a:stCxn id="31" idx="0"/>
+            <a:endCxn id="110" idx="2"/>
+          </p:cNvCxnSpPr>
           <p:nvPr/>
         </p:nvCxnSpPr>
         <p:spPr>
-          <a:xfrm>
-            <a:off x="8267007" y="2171500"/>
-            <a:ext cx="929639" cy="346856"/>
+          <a:xfrm flipV="1">
+            <a:off x="7775285" y="2189548"/>
+            <a:ext cx="8313" cy="1046601"/>
+          </a:xfrm>
+          <a:prstGeom prst="straightConnector1">
+            <a:avLst/>
+          </a:prstGeom>
+          <a:ln>
+            <a:tailEnd type="triangle"/>
+          </a:ln>
+        </p:spPr>
+        <p:style>
+          <a:lnRef idx="1">
+            <a:schemeClr val="accent1"/>
+          </a:lnRef>
+          <a:fillRef idx="0">
+            <a:schemeClr val="accent1"/>
+          </a:fillRef>
+          <a:effectRef idx="0">
+            <a:schemeClr val="accent1"/>
+          </a:effectRef>
+          <a:fontRef idx="minor">
+            <a:schemeClr val="tx1"/>
+          </a:fontRef>
+        </p:style>
+      </p:cxnSp>
+      <p:sp>
+        <p:nvSpPr>
+          <p:cNvPr id="115" name="TextBox 114"/>
+          <p:cNvSpPr txBox="1"/>
+          <p:nvPr/>
+        </p:nvSpPr>
+        <p:spPr>
+          <a:xfrm>
+            <a:off x="7134725" y="2440091"/>
+            <a:ext cx="1335622" cy="276999"/>
+          </a:xfrm>
+          <a:prstGeom prst="rect">
+            <a:avLst/>
+          </a:prstGeom>
+          <a:noFill/>
+        </p:spPr>
+        <p:txBody>
+          <a:bodyPr wrap="none" rtlCol="0">
+            <a:spAutoFit/>
+          </a:bodyPr>
+          <a:lstStyle/>
+          <a:p>
+            <a:r>
+              <a:rPr lang="en-US" altLang="ko-KR" sz="1200" dirty="0" smtClean="0"/>
+              <a:t>3. </a:t>
+            </a:r>
+            <a:r>
+              <a:rPr lang="ko-KR" altLang="en-US" sz="1200" dirty="0" smtClean="0"/>
+              <a:t>회원정보 조회</a:t>
+            </a:r>
+            <a:endParaRPr lang="ko-KR" altLang="en-US" sz="1200" dirty="0"/>
+          </a:p>
+        </p:txBody>
+      </p:sp>
+      <p:sp>
+        <p:nvSpPr>
+          <p:cNvPr id="118" name="직사각형 117"/>
+          <p:cNvSpPr/>
+          <p:nvPr/>
+        </p:nvSpPr>
+        <p:spPr>
+          <a:xfrm>
+            <a:off x="4287209" y="1729398"/>
+            <a:ext cx="2286349" cy="455259"/>
+          </a:xfrm>
+          <a:prstGeom prst="rect">
+            <a:avLst/>
+          </a:prstGeom>
+        </p:spPr>
+        <p:style>
+          <a:lnRef idx="2">
+            <a:schemeClr val="accent1">
+              <a:shade val="50000"/>
+            </a:schemeClr>
+          </a:lnRef>
+          <a:fillRef idx="1">
+            <a:schemeClr val="accent1"/>
+          </a:fillRef>
+          <a:effectRef idx="0">
+            <a:schemeClr val="accent1"/>
+          </a:effectRef>
+          <a:fontRef idx="minor">
+            <a:schemeClr val="lt1"/>
+          </a:fontRef>
+        </p:style>
+        <p:txBody>
+          <a:bodyPr rtlCol="0" anchor="ctr"/>
+          <a:lstStyle/>
+          <a:p>
+            <a:pPr algn="ctr"/>
+            <a:r>
+              <a:rPr lang="ko-KR" altLang="en-US" sz="1200" dirty="0" smtClean="0"/>
+              <a:t>회원정보 변경</a:t>
+            </a:r>
+            <a:endParaRPr lang="en-US" altLang="ko-KR" sz="1200" dirty="0" smtClean="0"/>
+          </a:p>
+          <a:p>
+            <a:pPr algn="ctr"/>
+            <a:r>
+              <a:rPr lang="ko-KR" altLang="en-US" sz="1200" dirty="0" smtClean="0"/>
+              <a:t>비밀번호</a:t>
+            </a:r>
+            <a:r>
+              <a:rPr lang="en-US" altLang="ko-KR" sz="1200" dirty="0" smtClean="0"/>
+              <a:t>, </a:t>
+            </a:r>
+            <a:r>
+              <a:rPr lang="ko-KR" altLang="en-US" sz="1200" dirty="0" smtClean="0"/>
+              <a:t>이름</a:t>
+            </a:r>
+            <a:r>
+              <a:rPr lang="en-US" altLang="ko-KR" sz="1200" dirty="0" smtClean="0"/>
+              <a:t>, </a:t>
+            </a:r>
+            <a:r>
+              <a:rPr lang="ko-KR" altLang="en-US" sz="1200" dirty="0" smtClean="0"/>
+              <a:t>생년월일 입력</a:t>
+            </a:r>
+            <a:endParaRPr lang="ko-KR" altLang="en-US" sz="1200" dirty="0"/>
+          </a:p>
+        </p:txBody>
+      </p:sp>
+      <p:cxnSp>
+        <p:nvCxnSpPr>
+          <p:cNvPr id="119" name="직선 화살표 연결선 118"/>
+          <p:cNvCxnSpPr>
+            <a:stCxn id="110" idx="1"/>
+            <a:endCxn id="118" idx="3"/>
+          </p:cNvCxnSpPr>
+          <p:nvPr/>
+        </p:nvCxnSpPr>
+        <p:spPr>
+          <a:xfrm flipH="1" flipV="1">
+            <a:off x="6573558" y="1957028"/>
+            <a:ext cx="460740" cy="4891"/>
           </a:xfrm>
           <a:prstGeom prst="straightConnector1">
             <a:avLst/>
@@ -3749,16 +4351,17 @@
       </p:cxnSp>
       <p:cxnSp>
         <p:nvCxnSpPr>
-          <p:cNvPr id="56" name="직선 화살표 연결선 55"/>
+          <p:cNvPr id="127" name="직선 화살표 연결선 126"/>
           <p:cNvCxnSpPr>
-            <a:stCxn id="53" idx="1"/>
+            <a:stCxn id="110" idx="2"/>
+            <a:endCxn id="31" idx="0"/>
           </p:cNvCxnSpPr>
           <p:nvPr/>
         </p:nvCxnSpPr>
         <p:spPr>
-          <a:xfrm flipH="1" flipV="1">
-            <a:off x="7888991" y="2347708"/>
-            <a:ext cx="1307655" cy="561747"/>
+          <a:xfrm flipH="1">
+            <a:off x="7775285" y="2189548"/>
+            <a:ext cx="8313" cy="1046601"/>
           </a:xfrm>
           <a:prstGeom prst="straightConnector1">
             <a:avLst/>
@@ -3782,46 +4385,52 @@
           </a:fontRef>
         </p:style>
       </p:cxnSp>
-      <p:sp>
-        <p:nvSpPr>
-          <p:cNvPr id="59" name="TextBox 58"/>
-          <p:cNvSpPr txBox="1"/>
+      <p:cxnSp>
+        <p:nvCxnSpPr>
+          <p:cNvPr id="131" name="직선 화살표 연결선 130"/>
+          <p:cNvCxnSpPr>
+            <a:stCxn id="118" idx="2"/>
+            <a:endCxn id="31" idx="0"/>
+          </p:cNvCxnSpPr>
           <p:nvPr/>
-        </p:nvSpPr>
-        <p:spPr>
-          <a:xfrm>
-            <a:off x="8390699" y="1926103"/>
-            <a:ext cx="1733167" cy="369332"/>
-          </a:xfrm>
-          <a:prstGeom prst="rect">
-            <a:avLst/>
-          </a:prstGeom>
-          <a:noFill/>
-        </p:spPr>
-        <p:txBody>
-          <a:bodyPr wrap="none" rtlCol="0">
-            <a:spAutoFit/>
-          </a:bodyPr>
-          <a:lstStyle/>
-          <a:p>
-            <a:r>
-              <a:rPr lang="ko-KR" altLang="en-US" dirty="0" smtClean="0"/>
-              <a:t>도서관 책 조회</a:t>
-            </a:r>
-            <a:endParaRPr lang="ko-KR" altLang="en-US" dirty="0"/>
-          </a:p>
-        </p:txBody>
-      </p:sp>
-      <p:sp>
-        <p:nvSpPr>
-          <p:cNvPr id="60" name="직사각형 59"/>
+        </p:nvCxnSpPr>
+        <p:spPr>
+          <a:xfrm>
+            <a:off x="5430384" y="2184657"/>
+            <a:ext cx="2344901" cy="1051492"/>
+          </a:xfrm>
+          <a:prstGeom prst="straightConnector1">
+            <a:avLst/>
+          </a:prstGeom>
+          <a:ln>
+            <a:tailEnd type="triangle"/>
+          </a:ln>
+        </p:spPr>
+        <p:style>
+          <a:lnRef idx="1">
+            <a:schemeClr val="accent1"/>
+          </a:lnRef>
+          <a:fillRef idx="0">
+            <a:schemeClr val="accent1"/>
+          </a:fillRef>
+          <a:effectRef idx="0">
+            <a:schemeClr val="accent1"/>
+          </a:effectRef>
+          <a:fontRef idx="minor">
+            <a:schemeClr val="tx1"/>
+          </a:fontRef>
+        </p:style>
+      </p:cxnSp>
+      <p:sp>
+        <p:nvSpPr>
+          <p:cNvPr id="141" name="직사각형 140"/>
           <p:cNvSpPr/>
           <p:nvPr/>
         </p:nvSpPr>
         <p:spPr>
           <a:xfrm>
-            <a:off x="8124304" y="4330932"/>
-            <a:ext cx="2144684" cy="914400"/>
+            <a:off x="9734625" y="1729398"/>
+            <a:ext cx="1498600" cy="455259"/>
           </a:xfrm>
           <a:prstGeom prst="rect">
             <a:avLst/>
@@ -3849,31 +4458,26 @@
           <a:p>
             <a:pPr algn="ctr"/>
             <a:r>
-              <a:rPr lang="ko-KR" altLang="en-US" dirty="0" smtClean="0"/>
-              <a:t>도서관 책 출력</a:t>
-            </a:r>
-            <a:endParaRPr lang="en-US" altLang="ko-KR" dirty="0" smtClean="0"/>
-          </a:p>
-          <a:p>
-            <a:pPr algn="ctr"/>
-            <a:r>
-              <a:rPr lang="ko-KR" altLang="en-US" dirty="0" smtClean="0"/>
-              <a:t>대여 선택</a:t>
-            </a:r>
-            <a:endParaRPr lang="ko-KR" altLang="en-US" dirty="0"/>
+              <a:rPr lang="ko-KR" altLang="en-US" sz="1200" dirty="0" smtClean="0"/>
+              <a:t>회원 탈퇴</a:t>
+            </a:r>
+            <a:endParaRPr lang="ko-KR" altLang="en-US" sz="1200" dirty="0"/>
           </a:p>
         </p:txBody>
       </p:sp>
       <p:cxnSp>
         <p:nvCxnSpPr>
-          <p:cNvPr id="64" name="직선 화살표 연결선 63"/>
-          <p:cNvCxnSpPr/>
+          <p:cNvPr id="142" name="직선 화살표 연결선 141"/>
+          <p:cNvCxnSpPr>
+            <a:stCxn id="141" idx="2"/>
+            <a:endCxn id="4" idx="3"/>
+          </p:cNvCxnSpPr>
           <p:nvPr/>
         </p:nvCxnSpPr>
         <p:spPr>
           <a:xfrm flipH="1">
-            <a:off x="8969433" y="3366655"/>
-            <a:ext cx="723207" cy="964277"/>
+            <a:off x="2576944" y="2184657"/>
+            <a:ext cx="7906981" cy="1512728"/>
           </a:xfrm>
           <a:prstGeom prst="straightConnector1">
             <a:avLst/>
@@ -3897,92 +4501,19 @@
           </a:fontRef>
         </p:style>
       </p:cxnSp>
-      <p:sp>
-        <p:nvSpPr>
-          <p:cNvPr id="68" name="TextBox 67"/>
-          <p:cNvSpPr txBox="1"/>
-          <p:nvPr/>
-        </p:nvSpPr>
-        <p:spPr>
-          <a:xfrm>
-            <a:off x="9056699" y="3689066"/>
-            <a:ext cx="646331" cy="369332"/>
-          </a:xfrm>
-          <a:prstGeom prst="rect">
-            <a:avLst/>
-          </a:prstGeom>
-          <a:noFill/>
-        </p:spPr>
-        <p:txBody>
-          <a:bodyPr wrap="none" rtlCol="0">
-            <a:spAutoFit/>
-          </a:bodyPr>
-          <a:lstStyle/>
-          <a:p>
-            <a:r>
-              <a:rPr lang="ko-KR" altLang="en-US" dirty="0" smtClean="0"/>
-              <a:t>대여</a:t>
-            </a:r>
-            <a:endParaRPr lang="ko-KR" altLang="en-US" dirty="0"/>
-          </a:p>
-        </p:txBody>
-      </p:sp>
-      <p:sp>
-        <p:nvSpPr>
-          <p:cNvPr id="78" name="직사각형 77"/>
-          <p:cNvSpPr/>
-          <p:nvPr/>
-        </p:nvSpPr>
-        <p:spPr>
-          <a:xfrm>
-            <a:off x="2726575" y="4923907"/>
-            <a:ext cx="2144684" cy="914400"/>
-          </a:xfrm>
-          <a:prstGeom prst="rect">
-            <a:avLst/>
-          </a:prstGeom>
-        </p:spPr>
-        <p:style>
-          <a:lnRef idx="2">
-            <a:schemeClr val="accent1">
-              <a:shade val="50000"/>
-            </a:schemeClr>
-          </a:lnRef>
-          <a:fillRef idx="1">
-            <a:schemeClr val="accent1"/>
-          </a:fillRef>
-          <a:effectRef idx="0">
-            <a:schemeClr val="accent1"/>
-          </a:effectRef>
-          <a:fontRef idx="minor">
-            <a:schemeClr val="lt1"/>
-          </a:fontRef>
-        </p:style>
-        <p:txBody>
-          <a:bodyPr rtlCol="0" anchor="ctr"/>
-          <a:lstStyle/>
-          <a:p>
-            <a:pPr algn="ctr"/>
-            <a:r>
-              <a:rPr lang="ko-KR" altLang="en-US" dirty="0" smtClean="0"/>
-              <a:t>반납</a:t>
-            </a:r>
-            <a:endParaRPr lang="ko-KR" altLang="en-US" dirty="0"/>
-          </a:p>
-        </p:txBody>
-      </p:sp>
       <p:cxnSp>
         <p:nvCxnSpPr>
-          <p:cNvPr id="79" name="직선 화살표 연결선 78"/>
+          <p:cNvPr id="152" name="직선 화살표 연결선 151"/>
           <p:cNvCxnSpPr>
-            <a:endCxn id="78" idx="0"/>
+            <a:stCxn id="31" idx="0"/>
+            <a:endCxn id="141" idx="2"/>
           </p:cNvCxnSpPr>
           <p:nvPr/>
         </p:nvCxnSpPr>
         <p:spPr>
-          <a:xfrm flipH="1">
-            <a:off x="3798917" y="4330932"/>
-            <a:ext cx="1071630" cy="592975"/>
+          <a:xfrm flipV="1">
+            <a:off x="7775285" y="2184657"/>
+            <a:ext cx="2708640" cy="1051492"/>
           </a:xfrm>
           <a:prstGeom prst="straightConnector1">
             <a:avLst/>
@@ -4008,14 +4539,14 @@
       </p:cxnSp>
       <p:sp>
         <p:nvSpPr>
-          <p:cNvPr id="82" name="TextBox 81"/>
+          <p:cNvPr id="161" name="TextBox 160"/>
           <p:cNvSpPr txBox="1"/>
           <p:nvPr/>
         </p:nvSpPr>
         <p:spPr>
           <a:xfrm>
-            <a:off x="3836323" y="4258088"/>
-            <a:ext cx="646331" cy="369332"/>
+            <a:off x="9146843" y="2639714"/>
+            <a:ext cx="1027845" cy="276999"/>
           </a:xfrm>
           <a:prstGeom prst="rect">
             <a:avLst/>
@@ -4029,10 +4560,84 @@
           <a:lstStyle/>
           <a:p>
             <a:r>
-              <a:rPr lang="ko-KR" altLang="en-US" smtClean="0"/>
-              <a:t>반납</a:t>
-            </a:r>
-            <a:endParaRPr lang="ko-KR" altLang="en-US" dirty="0"/>
+              <a:rPr lang="en-US" altLang="ko-KR" sz="1200" dirty="0"/>
+              <a:t>4</a:t>
+            </a:r>
+            <a:r>
+              <a:rPr lang="en-US" altLang="ko-KR" sz="1200" dirty="0" smtClean="0"/>
+              <a:t>. </a:t>
+            </a:r>
+            <a:r>
+              <a:rPr lang="ko-KR" altLang="en-US" sz="1200" dirty="0" smtClean="0"/>
+              <a:t>회원 탈퇴</a:t>
+            </a:r>
+            <a:endParaRPr lang="ko-KR" altLang="en-US" sz="1200" dirty="0"/>
+          </a:p>
+        </p:txBody>
+      </p:sp>
+      <p:cxnSp>
+        <p:nvCxnSpPr>
+          <p:cNvPr id="41" name="직선 화살표 연결선 40"/>
+          <p:cNvCxnSpPr>
+            <a:stCxn id="141" idx="2"/>
+            <a:endCxn id="31" idx="0"/>
+          </p:cNvCxnSpPr>
+          <p:nvPr/>
+        </p:nvCxnSpPr>
+        <p:spPr>
+          <a:xfrm flipH="1">
+            <a:off x="7775285" y="2184657"/>
+            <a:ext cx="2708640" cy="1051492"/>
+          </a:xfrm>
+          <a:prstGeom prst="straightConnector1">
+            <a:avLst/>
+          </a:prstGeom>
+          <a:ln>
+            <a:tailEnd type="triangle"/>
+          </a:ln>
+        </p:spPr>
+        <p:style>
+          <a:lnRef idx="1">
+            <a:schemeClr val="accent1"/>
+          </a:lnRef>
+          <a:fillRef idx="0">
+            <a:schemeClr val="accent1"/>
+          </a:fillRef>
+          <a:effectRef idx="0">
+            <a:schemeClr val="accent1"/>
+          </a:effectRef>
+          <a:fontRef idx="minor">
+            <a:schemeClr val="tx1"/>
+          </a:fontRef>
+        </p:style>
+      </p:cxnSp>
+      <p:sp>
+        <p:nvSpPr>
+          <p:cNvPr id="44" name="TextBox 43"/>
+          <p:cNvSpPr txBox="1"/>
+          <p:nvPr/>
+        </p:nvSpPr>
+        <p:spPr>
+          <a:xfrm>
+            <a:off x="4880181" y="2955134"/>
+            <a:ext cx="1217000" cy="276999"/>
+          </a:xfrm>
+          <a:prstGeom prst="rect">
+            <a:avLst/>
+          </a:prstGeom>
+          <a:noFill/>
+        </p:spPr>
+        <p:txBody>
+          <a:bodyPr wrap="none" rtlCol="0">
+            <a:spAutoFit/>
+          </a:bodyPr>
+          <a:lstStyle/>
+          <a:p>
+            <a:r>
+              <a:rPr lang="ko-KR" altLang="en-US" sz="1200" dirty="0" smtClean="0"/>
+              <a:t>회원 탈퇴 성공</a:t>
+            </a:r>
+            <a:endParaRPr lang="ko-KR" altLang="en-US" sz="1200" dirty="0"/>
           </a:p>
         </p:txBody>
       </p:sp>
